--- a/PMG_SQL_CHALLENGE.pptx
+++ b/PMG_SQL_CHALLENGE.pptx
@@ -127,6 +127,11 @@
       </a:defRPr>
     </a:lvl9pPr>
   </p:defaultTextStyle>
+  <p:extLst>
+    <p:ext uri="{EFAFB233-063F-42B5-8137-9DF3F51BA10A}">
+      <p15:sldGuideLst xmlns:p15="http://schemas.microsoft.com/office/powerpoint/2012/main"/>
+    </p:ext>
+  </p:extLst>
 </p:presentation>
 </file>
 
@@ -3816,7 +3821,7 @@
           <a:p>
             <a:fld id="{0F14BBF9-7926-40EC-BB0B-D12B0C47C428}" type="datetimeFigureOut">
               <a:rPr lang="en-US" smtClean="0"/>
-              <a:t>8/29/2023</a:t>
+              <a:t>8/30/2023</a:t>
             </a:fld>
             <a:endParaRPr lang="en-US"/>
           </a:p>
@@ -4704,7 +4709,7 @@
             <a:pPr algn="l"/>
             <a:fld id="{0DCFB061-4267-4D9F-8017-6F550D3068DF}" type="datetime1">
               <a:rPr lang="en-US" smtClean="0"/>
-              <a:t>8/29/2023</a:t>
+              <a:t>8/30/2023</a:t>
             </a:fld>
             <a:endParaRPr lang="en-US" dirty="0"/>
           </a:p>
@@ -4897,7 +4902,7 @@
           <a:p>
             <a:fld id="{8141BC61-5547-4A60-8DA1-6699760D9972}" type="datetime1">
               <a:rPr lang="en-US" smtClean="0"/>
-              <a:t>8/29/2023</a:t>
+              <a:t>8/30/2023</a:t>
             </a:fld>
             <a:endParaRPr lang="en-US" dirty="0"/>
           </a:p>
@@ -5082,7 +5087,7 @@
           <a:p>
             <a:fld id="{24B9D1C6-60D0-4CD1-8F31-F912522EB041}" type="datetime1">
               <a:rPr lang="en-US" smtClean="0"/>
-              <a:t>8/29/2023</a:t>
+              <a:t>8/30/2023</a:t>
             </a:fld>
             <a:endParaRPr lang="en-US" dirty="0"/>
           </a:p>
@@ -5311,7 +5316,7 @@
           <a:p>
             <a:fld id="{47A4ED5C-5A53-433E-8A55-46F54CE81DA5}" type="datetime1">
               <a:rPr lang="en-US" smtClean="0"/>
-              <a:t>8/29/2023</a:t>
+              <a:t>8/30/2023</a:t>
             </a:fld>
             <a:endParaRPr lang="en-US" dirty="0"/>
           </a:p>
@@ -5638,7 +5643,7 @@
           <a:p>
             <a:fld id="{29CABC0C-B6DF-45E9-B954-11C99AA62C3E}" type="datetime1">
               <a:rPr lang="en-US" smtClean="0"/>
-              <a:t>8/29/2023</a:t>
+              <a:t>8/30/2023</a:t>
             </a:fld>
             <a:endParaRPr lang="en-US" dirty="0"/>
           </a:p>
@@ -5934,7 +5939,7 @@
           <a:p>
             <a:fld id="{A4AB71B9-2624-4F21-93EE-35A78B1A0DAD}" type="datetime1">
               <a:rPr lang="en-US" smtClean="0"/>
-              <a:t>8/29/2023</a:t>
+              <a:t>8/30/2023</a:t>
             </a:fld>
             <a:endParaRPr lang="en-US" dirty="0"/>
           </a:p>
@@ -6355,7 +6360,7 @@
           <a:p>
             <a:fld id="{36D37C2A-BE2E-4840-A907-3254E2916C96}" type="datetime1">
               <a:rPr lang="en-US" smtClean="0"/>
-              <a:t>8/29/2023</a:t>
+              <a:t>8/30/2023</a:t>
             </a:fld>
             <a:endParaRPr lang="en-US" dirty="0"/>
           </a:p>
@@ -6553,7 +6558,7 @@
           <a:p>
             <a:fld id="{005CD215-1C45-48A0-8534-39FFE8A7C95A}" type="datetime1">
               <a:rPr lang="en-US" smtClean="0"/>
-              <a:t>8/29/2023</a:t>
+              <a:t>8/30/2023</a:t>
             </a:fld>
             <a:endParaRPr lang="en-US" dirty="0"/>
           </a:p>
@@ -6662,7 +6667,7 @@
           <a:p>
             <a:fld id="{D3363A0F-DEF3-4134-98D0-2E1276938A8B}" type="datetime1">
               <a:rPr lang="en-US" smtClean="0"/>
-              <a:t>8/29/2023</a:t>
+              <a:t>8/30/2023</a:t>
             </a:fld>
             <a:endParaRPr lang="en-US" dirty="0"/>
           </a:p>
@@ -7083,7 +7088,7 @@
           <a:p>
             <a:fld id="{61A2E4C8-2960-4ADD-862C-4D9643CB15AC}" type="datetime1">
               <a:rPr lang="en-US" smtClean="0"/>
-              <a:t>8/29/2023</a:t>
+              <a:t>8/30/2023</a:t>
             </a:fld>
             <a:endParaRPr lang="en-US" dirty="0"/>
           </a:p>
@@ -7436,7 +7441,7 @@
           <a:p>
             <a:fld id="{48BDEA15-09CD-4275-A8E0-385C965F48B0}" type="datetime1">
               <a:rPr lang="en-US" smtClean="0"/>
-              <a:t>8/29/2023</a:t>
+              <a:t>8/30/2023</a:t>
             </a:fld>
             <a:endParaRPr lang="en-US" dirty="0"/>
           </a:p>
@@ -7741,7 +7746,7 @@
           <a:p>
             <a:fld id="{4AF8082C-0922-4249-A612-B415F5231620}" type="datetime1">
               <a:rPr lang="en-US" smtClean="0"/>
-              <a:t>8/29/2023</a:t>
+              <a:t>8/30/2023</a:t>
             </a:fld>
             <a:endParaRPr lang="en-US" dirty="0"/>
           </a:p>
@@ -11247,6 +11252,41 @@
           </a:p>
         </p:txBody>
       </p:sp>
+      <p:sp>
+        <p:nvSpPr>
+          <p:cNvPr id="4" name="TextBox 3">
+            <a:extLst>
+              <a:ext uri="{FF2B5EF4-FFF2-40B4-BE49-F238E27FC236}">
+                <a16:creationId xmlns:a16="http://schemas.microsoft.com/office/drawing/2014/main" id="{03D86FA8-7191-7B6B-701A-18F0FF528138}"/>
+              </a:ext>
+            </a:extLst>
+          </p:cNvPr>
+          <p:cNvSpPr txBox="1"/>
+          <p:nvPr/>
+        </p:nvSpPr>
+        <p:spPr>
+          <a:xfrm>
+            <a:off x="1342571" y="4862286"/>
+            <a:ext cx="4928911" cy="1477328"/>
+          </a:xfrm>
+          <a:prstGeom prst="rect">
+            <a:avLst/>
+          </a:prstGeom>
+          <a:noFill/>
+        </p:spPr>
+        <p:txBody>
+          <a:bodyPr wrap="square" rtlCol="0">
+            <a:spAutoFit/>
+          </a:bodyPr>
+          <a:lstStyle/>
+          <a:p>
+            <a:r>
+              <a:rPr lang="en-US" dirty="0"/>
+              <a:t>For the query, I used CTEs instead of using joins because campaign ids are not primary keys in marketing data and website revenue tables, if we join then end result make n*m combinations.</a:t>
+            </a:r>
+          </a:p>
+        </p:txBody>
+      </p:sp>
     </p:spTree>
     <p:extLst>
       <p:ext uri="{BB962C8B-B14F-4D97-AF65-F5344CB8AC3E}">
@@ -12149,7 +12189,7 @@
         <p:spPr>
           <a:xfrm>
             <a:off x="7205472" y="2553005"/>
-            <a:ext cx="4279392" cy="1200329"/>
+            <a:ext cx="4279392" cy="1477328"/>
           </a:xfrm>
           <a:prstGeom prst="rect">
             <a:avLst/>
@@ -12168,7 +12208,7 @@
             </a:pPr>
             <a:r>
               <a:rPr lang="en-US" dirty="0"/>
-              <a:t>From the output we can see that Georgia state has the highest conversions for the “campaign-5”  </a:t>
+              <a:t>From the output we can see that Georgia state has the highest conversions for the “campaign-5” with 672 conversions. </a:t>
             </a:r>
           </a:p>
           <a:p>
@@ -21847,7 +21887,7 @@
         <p:spPr>
           <a:xfrm>
             <a:off x="7205472" y="2553005"/>
-            <a:ext cx="4279392" cy="2585323"/>
+            <a:ext cx="4279392" cy="3970318"/>
           </a:xfrm>
           <a:prstGeom prst="rect">
             <a:avLst/>
@@ -21899,6 +21939,27 @@
             <a:r>
               <a:rPr lang="en-US" dirty="0"/>
               <a:t> tables are created.</a:t>
+            </a:r>
+          </a:p>
+          <a:p>
+            <a:pPr marL="285750" indent="-285750">
+              <a:buFont typeface="Arial" panose="020B0604020202020204" pitchFamily="34" charset="0"/>
+              <a:buChar char="•"/>
+            </a:pPr>
+            <a:endParaRPr lang="en-US" dirty="0"/>
+          </a:p>
+          <a:p>
+            <a:pPr marL="285750" indent="-285750">
+              <a:buFont typeface="Arial" panose="020B0604020202020204" pitchFamily="34" charset="0"/>
+              <a:buChar char="•"/>
+            </a:pPr>
+            <a:r>
+              <a:rPr lang="en-US" dirty="0" err="1"/>
+              <a:t>Campaign_id</a:t>
+            </a:r>
+            <a:r>
+              <a:rPr lang="en-US" dirty="0"/>
+              <a:t> is not same data type for all the tables I am assuming all the ids are integer data type.</a:t>
             </a:r>
           </a:p>
           <a:p>
@@ -24986,7 +25047,7 @@
             </a:pPr>
             <a:r>
               <a:rPr lang="en-US" dirty="0"/>
-              <a:t>Ohio is the third best revenue collected state.</a:t>
+              <a:t>Ohio is the third best revenue collected state with 37577 USD.</a:t>
             </a:r>
           </a:p>
           <a:p>
